--- a/paper_1/pictures/install_V_bd.pptx
+++ b/paper_1/pictures/install_V_bd.pptx
@@ -6,6 +6,7 @@
   </p:sldMasterIdLst>
   <p:sldIdLst>
     <p:sldId id="256" r:id="rId2"/>
+    <p:sldId id="257" r:id="rId3"/>
   </p:sldIdLst>
   <p:sldSz cx="12192000" cy="6858000"/>
   <p:notesSz cx="6858000" cy="9144000"/>
@@ -104,6 +105,11 @@
       </a:defRPr>
     </a:lvl9pPr>
   </p:defaultTextStyle>
+  <p:extLst>
+    <p:ext uri="{EFAFB233-063F-42B5-8137-9DF3F51BA10A}">
+      <p15:sldGuideLst xmlns:p15="http://schemas.microsoft.com/office/powerpoint/2012/main"/>
+    </p:ext>
+  </p:extLst>
 </p:presentation>
 </file>
 
@@ -238,7 +244,7 @@
           <a:p>
             <a:fld id="{E557F9BB-03D8-446C-A922-207D62D52050}" type="datetimeFigureOut">
               <a:rPr lang="ru-RU" smtClean="0"/>
-              <a:t>26.06.2015</a:t>
+              <a:t>20.08.2015</a:t>
             </a:fld>
             <a:endParaRPr lang="ru-RU"/>
           </a:p>
@@ -408,7 +414,7 @@
           <a:p>
             <a:fld id="{E557F9BB-03D8-446C-A922-207D62D52050}" type="datetimeFigureOut">
               <a:rPr lang="ru-RU" smtClean="0"/>
-              <a:t>26.06.2015</a:t>
+              <a:t>20.08.2015</a:t>
             </a:fld>
             <a:endParaRPr lang="ru-RU"/>
           </a:p>
@@ -588,7 +594,7 @@
           <a:p>
             <a:fld id="{E557F9BB-03D8-446C-A922-207D62D52050}" type="datetimeFigureOut">
               <a:rPr lang="ru-RU" smtClean="0"/>
-              <a:t>26.06.2015</a:t>
+              <a:t>20.08.2015</a:t>
             </a:fld>
             <a:endParaRPr lang="ru-RU"/>
           </a:p>
@@ -758,7 +764,7 @@
           <a:p>
             <a:fld id="{E557F9BB-03D8-446C-A922-207D62D52050}" type="datetimeFigureOut">
               <a:rPr lang="ru-RU" smtClean="0"/>
-              <a:t>26.06.2015</a:t>
+              <a:t>20.08.2015</a:t>
             </a:fld>
             <a:endParaRPr lang="ru-RU"/>
           </a:p>
@@ -1004,7 +1010,7 @@
           <a:p>
             <a:fld id="{E557F9BB-03D8-446C-A922-207D62D52050}" type="datetimeFigureOut">
               <a:rPr lang="ru-RU" smtClean="0"/>
-              <a:t>26.06.2015</a:t>
+              <a:t>20.08.2015</a:t>
             </a:fld>
             <a:endParaRPr lang="ru-RU"/>
           </a:p>
@@ -1236,7 +1242,7 @@
           <a:p>
             <a:fld id="{E557F9BB-03D8-446C-A922-207D62D52050}" type="datetimeFigureOut">
               <a:rPr lang="ru-RU" smtClean="0"/>
-              <a:t>26.06.2015</a:t>
+              <a:t>20.08.2015</a:t>
             </a:fld>
             <a:endParaRPr lang="ru-RU"/>
           </a:p>
@@ -1603,7 +1609,7 @@
           <a:p>
             <a:fld id="{E557F9BB-03D8-446C-A922-207D62D52050}" type="datetimeFigureOut">
               <a:rPr lang="ru-RU" smtClean="0"/>
-              <a:t>26.06.2015</a:t>
+              <a:t>20.08.2015</a:t>
             </a:fld>
             <a:endParaRPr lang="ru-RU"/>
           </a:p>
@@ -1721,7 +1727,7 @@
           <a:p>
             <a:fld id="{E557F9BB-03D8-446C-A922-207D62D52050}" type="datetimeFigureOut">
               <a:rPr lang="ru-RU" smtClean="0"/>
-              <a:t>26.06.2015</a:t>
+              <a:t>20.08.2015</a:t>
             </a:fld>
             <a:endParaRPr lang="ru-RU"/>
           </a:p>
@@ -1816,7 +1822,7 @@
           <a:p>
             <a:fld id="{E557F9BB-03D8-446C-A922-207D62D52050}" type="datetimeFigureOut">
               <a:rPr lang="ru-RU" smtClean="0"/>
-              <a:t>26.06.2015</a:t>
+              <a:t>20.08.2015</a:t>
             </a:fld>
             <a:endParaRPr lang="ru-RU"/>
           </a:p>
@@ -2093,7 +2099,7 @@
           <a:p>
             <a:fld id="{E557F9BB-03D8-446C-A922-207D62D52050}" type="datetimeFigureOut">
               <a:rPr lang="ru-RU" smtClean="0"/>
-              <a:t>26.06.2015</a:t>
+              <a:t>20.08.2015</a:t>
             </a:fld>
             <a:endParaRPr lang="ru-RU"/>
           </a:p>
@@ -2346,7 +2352,7 @@
           <a:p>
             <a:fld id="{E557F9BB-03D8-446C-A922-207D62D52050}" type="datetimeFigureOut">
               <a:rPr lang="ru-RU" smtClean="0"/>
-              <a:t>26.06.2015</a:t>
+              <a:t>20.08.2015</a:t>
             </a:fld>
             <a:endParaRPr lang="ru-RU"/>
           </a:p>
@@ -2559,7 +2565,7 @@
           <a:p>
             <a:fld id="{E557F9BB-03D8-446C-A922-207D62D52050}" type="datetimeFigureOut">
               <a:rPr lang="ru-RU" smtClean="0"/>
-              <a:t>26.06.2015</a:t>
+              <a:t>20.08.2015</a:t>
             </a:fld>
             <a:endParaRPr lang="ru-RU"/>
           </a:p>
@@ -3274,11 +3280,7 @@
             <a:pPr algn="ctr"/>
             <a:r>
               <a:rPr lang="en-US" dirty="0"/>
-              <a:t>SP5601 LED Driver</a:t>
-            </a:r>
-            <a:r>
-              <a:rPr lang="en-US" dirty="0"/>
-              <a:t> </a:t>
+              <a:t>SP5601 LED Driver </a:t>
             </a:r>
             <a:endParaRPr lang="ru-RU" dirty="0"/>
           </a:p>
@@ -4267,6 +4269,1044 @@
     <p:extLst>
       <p:ext uri="{BB962C8B-B14F-4D97-AF65-F5344CB8AC3E}">
         <p14:creationId xmlns:p14="http://schemas.microsoft.com/office/powerpoint/2010/main" val="3850420859"/>
+      </p:ext>
+    </p:extLst>
+  </p:cSld>
+  <p:clrMapOvr>
+    <a:masterClrMapping/>
+  </p:clrMapOvr>
+</p:sld>
+</file>
+
+<file path=ppt/slides/slide2.xml><?xml version="1.0" encoding="utf-8"?>
+<p:sld xmlns:a="http://schemas.openxmlformats.org/drawingml/2006/main" xmlns:r="http://schemas.openxmlformats.org/officeDocument/2006/relationships" xmlns:p="http://schemas.openxmlformats.org/presentationml/2006/main">
+  <p:cSld>
+    <p:spTree>
+      <p:nvGrpSpPr>
+        <p:cNvPr id="1" name=""/>
+        <p:cNvGrpSpPr/>
+        <p:nvPr/>
+      </p:nvGrpSpPr>
+      <p:grpSpPr>
+        <a:xfrm>
+          <a:off x="0" y="0"/>
+          <a:ext cx="0" cy="0"/>
+          <a:chOff x="0" y="0"/>
+          <a:chExt cx="0" cy="0"/>
+        </a:xfrm>
+      </p:grpSpPr>
+      <p:sp>
+        <p:nvSpPr>
+          <p:cNvPr id="4" name="Прямоугольник 3"/>
+          <p:cNvSpPr/>
+          <p:nvPr/>
+        </p:nvSpPr>
+        <p:spPr>
+          <a:xfrm>
+            <a:off x="1040457" y="1289818"/>
+            <a:ext cx="1852246" cy="1242646"/>
+          </a:xfrm>
+          <a:prstGeom prst="rect">
+            <a:avLst/>
+          </a:prstGeom>
+          <a:noFill/>
+          <a:ln w="25400">
+            <a:solidFill>
+              <a:schemeClr val="tx1"/>
+            </a:solidFill>
+          </a:ln>
+        </p:spPr>
+        <p:style>
+          <a:lnRef idx="2">
+            <a:schemeClr val="accent1">
+              <a:shade val="50000"/>
+            </a:schemeClr>
+          </a:lnRef>
+          <a:fillRef idx="1">
+            <a:schemeClr val="accent1"/>
+          </a:fillRef>
+          <a:effectRef idx="0">
+            <a:schemeClr val="accent1"/>
+          </a:effectRef>
+          <a:fontRef idx="minor">
+            <a:schemeClr val="lt1"/>
+          </a:fontRef>
+        </p:style>
+        <p:txBody>
+          <a:bodyPr rtlCol="0" anchor="ctr"/>
+          <a:lstStyle/>
+          <a:p>
+            <a:pPr algn="ctr"/>
+            <a:endParaRPr lang="ru-RU"/>
+          </a:p>
+        </p:txBody>
+      </p:sp>
+      <p:sp>
+        <p:nvSpPr>
+          <p:cNvPr id="5" name="TextBox 4"/>
+          <p:cNvSpPr txBox="1"/>
+          <p:nvPr/>
+        </p:nvSpPr>
+        <p:spPr>
+          <a:xfrm>
+            <a:off x="1157688" y="1658314"/>
+            <a:ext cx="1617783" cy="369332"/>
+          </a:xfrm>
+          <a:prstGeom prst="rect">
+            <a:avLst/>
+          </a:prstGeom>
+          <a:noFill/>
+        </p:spPr>
+        <p:txBody>
+          <a:bodyPr wrap="square" rtlCol="0">
+            <a:spAutoFit/>
+          </a:bodyPr>
+          <a:lstStyle/>
+          <a:p>
+            <a:pPr algn="ctr"/>
+            <a:r>
+              <a:rPr lang="ru-RU" dirty="0" smtClean="0"/>
+              <a:t>Источник тока</a:t>
+            </a:r>
+            <a:endParaRPr lang="ru-RU" dirty="0"/>
+          </a:p>
+        </p:txBody>
+      </p:sp>
+      <p:sp>
+        <p:nvSpPr>
+          <p:cNvPr id="6" name="Прямоугольник 5"/>
+          <p:cNvSpPr/>
+          <p:nvPr/>
+        </p:nvSpPr>
+        <p:spPr>
+          <a:xfrm>
+            <a:off x="8259006" y="1285212"/>
+            <a:ext cx="1852246" cy="1242646"/>
+          </a:xfrm>
+          <a:prstGeom prst="rect">
+            <a:avLst/>
+          </a:prstGeom>
+          <a:noFill/>
+          <a:ln w="25400">
+            <a:solidFill>
+              <a:schemeClr val="tx1"/>
+            </a:solidFill>
+          </a:ln>
+        </p:spPr>
+        <p:style>
+          <a:lnRef idx="2">
+            <a:schemeClr val="accent1">
+              <a:shade val="50000"/>
+            </a:schemeClr>
+          </a:lnRef>
+          <a:fillRef idx="1">
+            <a:schemeClr val="accent1"/>
+          </a:fillRef>
+          <a:effectRef idx="0">
+            <a:schemeClr val="accent1"/>
+          </a:effectRef>
+          <a:fontRef idx="minor">
+            <a:schemeClr val="lt1"/>
+          </a:fontRef>
+        </p:style>
+        <p:txBody>
+          <a:bodyPr rtlCol="0" anchor="ctr"/>
+          <a:lstStyle/>
+          <a:p>
+            <a:pPr algn="ctr"/>
+            <a:endParaRPr lang="ru-RU"/>
+          </a:p>
+        </p:txBody>
+      </p:sp>
+      <p:sp>
+        <p:nvSpPr>
+          <p:cNvPr id="7" name="TextBox 6"/>
+          <p:cNvSpPr txBox="1"/>
+          <p:nvPr/>
+        </p:nvSpPr>
+        <p:spPr>
+          <a:xfrm>
+            <a:off x="8259006" y="1566196"/>
+            <a:ext cx="1852245" cy="646331"/>
+          </a:xfrm>
+          <a:prstGeom prst="rect">
+            <a:avLst/>
+          </a:prstGeom>
+          <a:noFill/>
+        </p:spPr>
+        <p:txBody>
+          <a:bodyPr wrap="square" rtlCol="0">
+            <a:spAutoFit/>
+          </a:bodyPr>
+          <a:lstStyle/>
+          <a:p>
+            <a:pPr algn="ctr"/>
+            <a:r>
+              <a:rPr lang="en-US" dirty="0" smtClean="0"/>
+              <a:t>Tektronix </a:t>
+            </a:r>
+            <a:r>
+              <a:rPr lang="en-US" dirty="0" err="1" smtClean="0"/>
+              <a:t>dpo</a:t>
+            </a:r>
+            <a:r>
+              <a:rPr lang="en-US" dirty="0" smtClean="0"/>
+              <a:t> 4104b</a:t>
+            </a:r>
+            <a:r>
+              <a:rPr lang="en-US" dirty="0"/>
+              <a:t> </a:t>
+            </a:r>
+            <a:endParaRPr lang="ru-RU" dirty="0"/>
+          </a:p>
+        </p:txBody>
+      </p:sp>
+      <p:sp>
+        <p:nvSpPr>
+          <p:cNvPr id="9" name="Прямоугольник 8"/>
+          <p:cNvSpPr/>
+          <p:nvPr/>
+        </p:nvSpPr>
+        <p:spPr>
+          <a:xfrm>
+            <a:off x="8259006" y="2896596"/>
+            <a:ext cx="1852246" cy="1242646"/>
+          </a:xfrm>
+          <a:prstGeom prst="rect">
+            <a:avLst/>
+          </a:prstGeom>
+          <a:noFill/>
+          <a:ln w="25400">
+            <a:solidFill>
+              <a:schemeClr val="tx1"/>
+            </a:solidFill>
+          </a:ln>
+        </p:spPr>
+        <p:style>
+          <a:lnRef idx="2">
+            <a:schemeClr val="accent1">
+              <a:shade val="50000"/>
+            </a:schemeClr>
+          </a:lnRef>
+          <a:fillRef idx="1">
+            <a:schemeClr val="accent1"/>
+          </a:fillRef>
+          <a:effectRef idx="0">
+            <a:schemeClr val="accent1"/>
+          </a:effectRef>
+          <a:fontRef idx="minor">
+            <a:schemeClr val="lt1"/>
+          </a:fontRef>
+        </p:style>
+        <p:txBody>
+          <a:bodyPr rtlCol="0" anchor="ctr"/>
+          <a:lstStyle/>
+          <a:p>
+            <a:pPr algn="ctr"/>
+            <a:endParaRPr lang="ru-RU"/>
+          </a:p>
+        </p:txBody>
+      </p:sp>
+      <p:sp>
+        <p:nvSpPr>
+          <p:cNvPr id="10" name="TextBox 9"/>
+          <p:cNvSpPr txBox="1"/>
+          <p:nvPr/>
+        </p:nvSpPr>
+        <p:spPr>
+          <a:xfrm>
+            <a:off x="8259006" y="3265092"/>
+            <a:ext cx="1852245" cy="369332"/>
+          </a:xfrm>
+          <a:prstGeom prst="rect">
+            <a:avLst/>
+          </a:prstGeom>
+          <a:noFill/>
+        </p:spPr>
+        <p:txBody>
+          <a:bodyPr wrap="square" rtlCol="0">
+            <a:spAutoFit/>
+          </a:bodyPr>
+          <a:lstStyle/>
+          <a:p>
+            <a:pPr algn="ctr"/>
+            <a:r>
+              <a:rPr lang="en-US" dirty="0" smtClean="0"/>
+              <a:t>Computer</a:t>
+            </a:r>
+            <a:r>
+              <a:rPr lang="en-US" dirty="0"/>
+              <a:t> </a:t>
+            </a:r>
+            <a:endParaRPr lang="ru-RU" dirty="0"/>
+          </a:p>
+        </p:txBody>
+      </p:sp>
+      <p:sp>
+        <p:nvSpPr>
+          <p:cNvPr id="13" name="Прямоугольник 12"/>
+          <p:cNvSpPr/>
+          <p:nvPr/>
+        </p:nvSpPr>
+        <p:spPr>
+          <a:xfrm>
+            <a:off x="3934201" y="1285212"/>
+            <a:ext cx="1770141" cy="740425"/>
+          </a:xfrm>
+          <a:prstGeom prst="rect">
+            <a:avLst/>
+          </a:prstGeom>
+          <a:noFill/>
+          <a:ln w="25400">
+            <a:solidFill>
+              <a:schemeClr val="tx1"/>
+            </a:solidFill>
+          </a:ln>
+        </p:spPr>
+        <p:style>
+          <a:lnRef idx="2">
+            <a:schemeClr val="accent1">
+              <a:shade val="50000"/>
+            </a:schemeClr>
+          </a:lnRef>
+          <a:fillRef idx="1">
+            <a:schemeClr val="accent1"/>
+          </a:fillRef>
+          <a:effectRef idx="0">
+            <a:schemeClr val="accent1"/>
+          </a:effectRef>
+          <a:fontRef idx="minor">
+            <a:schemeClr val="lt1"/>
+          </a:fontRef>
+        </p:style>
+        <p:txBody>
+          <a:bodyPr rtlCol="0" anchor="ctr"/>
+          <a:lstStyle/>
+          <a:p>
+            <a:pPr algn="ctr"/>
+            <a:endParaRPr lang="ru-RU"/>
+          </a:p>
+        </p:txBody>
+      </p:sp>
+      <p:sp>
+        <p:nvSpPr>
+          <p:cNvPr id="14" name="TextBox 13"/>
+          <p:cNvSpPr txBox="1"/>
+          <p:nvPr/>
+        </p:nvSpPr>
+        <p:spPr>
+          <a:xfrm>
+            <a:off x="4010380" y="1353823"/>
+            <a:ext cx="1617783" cy="646331"/>
+          </a:xfrm>
+          <a:prstGeom prst="rect">
+            <a:avLst/>
+          </a:prstGeom>
+          <a:noFill/>
+        </p:spPr>
+        <p:txBody>
+          <a:bodyPr wrap="square" rtlCol="0">
+            <a:spAutoFit/>
+          </a:bodyPr>
+          <a:lstStyle/>
+          <a:p>
+            <a:pPr algn="ctr"/>
+            <a:r>
+              <a:rPr lang="ru-RU" dirty="0" err="1" smtClean="0"/>
+              <a:t>Пельтье</a:t>
+            </a:r>
+            <a:r>
+              <a:rPr lang="ru-RU" dirty="0" smtClean="0"/>
+              <a:t> элемент</a:t>
+            </a:r>
+            <a:endParaRPr lang="ru-RU" dirty="0"/>
+          </a:p>
+        </p:txBody>
+      </p:sp>
+      <p:sp>
+        <p:nvSpPr>
+          <p:cNvPr id="15" name="Прямоугольник 14"/>
+          <p:cNvSpPr/>
+          <p:nvPr/>
+        </p:nvSpPr>
+        <p:spPr>
+          <a:xfrm>
+            <a:off x="3934201" y="2025638"/>
+            <a:ext cx="1770140" cy="504818"/>
+          </a:xfrm>
+          <a:prstGeom prst="rect">
+            <a:avLst/>
+          </a:prstGeom>
+          <a:noFill/>
+          <a:ln w="25400">
+            <a:solidFill>
+              <a:schemeClr val="tx1"/>
+            </a:solidFill>
+          </a:ln>
+        </p:spPr>
+        <p:style>
+          <a:lnRef idx="2">
+            <a:schemeClr val="accent1">
+              <a:shade val="50000"/>
+            </a:schemeClr>
+          </a:lnRef>
+          <a:fillRef idx="1">
+            <a:schemeClr val="accent1"/>
+          </a:fillRef>
+          <a:effectRef idx="0">
+            <a:schemeClr val="accent1"/>
+          </a:effectRef>
+          <a:fontRef idx="minor">
+            <a:schemeClr val="lt1"/>
+          </a:fontRef>
+        </p:style>
+        <p:txBody>
+          <a:bodyPr rtlCol="0" anchor="ctr"/>
+          <a:lstStyle/>
+          <a:p>
+            <a:pPr algn="ctr"/>
+            <a:endParaRPr lang="ru-RU"/>
+          </a:p>
+        </p:txBody>
+      </p:sp>
+      <p:sp>
+        <p:nvSpPr>
+          <p:cNvPr id="16" name="TextBox 15"/>
+          <p:cNvSpPr txBox="1"/>
+          <p:nvPr/>
+        </p:nvSpPr>
+        <p:spPr>
+          <a:xfrm>
+            <a:off x="4006407" y="2084309"/>
+            <a:ext cx="1617783" cy="369332"/>
+          </a:xfrm>
+          <a:prstGeom prst="rect">
+            <a:avLst/>
+          </a:prstGeom>
+          <a:noFill/>
+        </p:spPr>
+        <p:txBody>
+          <a:bodyPr wrap="square" rtlCol="0">
+            <a:spAutoFit/>
+          </a:bodyPr>
+          <a:lstStyle/>
+          <a:p>
+            <a:pPr algn="ctr"/>
+            <a:r>
+              <a:rPr lang="en-US" dirty="0" err="1" smtClean="0"/>
+              <a:t>SiPM</a:t>
+            </a:r>
+            <a:endParaRPr lang="ru-RU" dirty="0"/>
+          </a:p>
+        </p:txBody>
+      </p:sp>
+      <p:sp>
+        <p:nvSpPr>
+          <p:cNvPr id="17" name="Прямоугольник 16"/>
+          <p:cNvSpPr/>
+          <p:nvPr/>
+        </p:nvSpPr>
+        <p:spPr>
+          <a:xfrm rot="5400000">
+            <a:off x="3051225" y="1655425"/>
+            <a:ext cx="1245243" cy="504818"/>
+          </a:xfrm>
+          <a:prstGeom prst="rect">
+            <a:avLst/>
+          </a:prstGeom>
+          <a:noFill/>
+          <a:ln w="25400">
+            <a:solidFill>
+              <a:schemeClr val="tx1"/>
+            </a:solidFill>
+          </a:ln>
+        </p:spPr>
+        <p:style>
+          <a:lnRef idx="2">
+            <a:schemeClr val="accent1">
+              <a:shade val="50000"/>
+            </a:schemeClr>
+          </a:lnRef>
+          <a:fillRef idx="1">
+            <a:schemeClr val="accent1"/>
+          </a:fillRef>
+          <a:effectRef idx="0">
+            <a:schemeClr val="accent1"/>
+          </a:effectRef>
+          <a:fontRef idx="minor">
+            <a:schemeClr val="lt1"/>
+          </a:fontRef>
+        </p:style>
+        <p:txBody>
+          <a:bodyPr rtlCol="0" anchor="ctr"/>
+          <a:lstStyle/>
+          <a:p>
+            <a:pPr algn="ctr"/>
+            <a:endParaRPr lang="ru-RU"/>
+          </a:p>
+        </p:txBody>
+      </p:sp>
+      <p:sp>
+        <p:nvSpPr>
+          <p:cNvPr id="18" name="TextBox 17"/>
+          <p:cNvSpPr txBox="1"/>
+          <p:nvPr/>
+        </p:nvSpPr>
+        <p:spPr>
+          <a:xfrm rot="16200000">
+            <a:off x="2953134" y="1723168"/>
+            <a:ext cx="1362053" cy="369332"/>
+          </a:xfrm>
+          <a:prstGeom prst="rect">
+            <a:avLst/>
+          </a:prstGeom>
+          <a:noFill/>
+        </p:spPr>
+        <p:txBody>
+          <a:bodyPr wrap="square" rtlCol="0">
+            <a:spAutoFit/>
+          </a:bodyPr>
+          <a:lstStyle/>
+          <a:p>
+            <a:pPr algn="ctr"/>
+            <a:r>
+              <a:rPr lang="ru-RU" dirty="0" smtClean="0"/>
+              <a:t>Термометр</a:t>
+            </a:r>
+            <a:endParaRPr lang="ru-RU" dirty="0"/>
+          </a:p>
+        </p:txBody>
+      </p:sp>
+      <p:sp>
+        <p:nvSpPr>
+          <p:cNvPr id="19" name="Прямоугольник 18"/>
+          <p:cNvSpPr/>
+          <p:nvPr/>
+        </p:nvSpPr>
+        <p:spPr>
+          <a:xfrm>
+            <a:off x="1040457" y="3089951"/>
+            <a:ext cx="1852246" cy="1242646"/>
+          </a:xfrm>
+          <a:prstGeom prst="rect">
+            <a:avLst/>
+          </a:prstGeom>
+          <a:noFill/>
+          <a:ln w="25400">
+            <a:solidFill>
+              <a:schemeClr val="tx1"/>
+            </a:solidFill>
+          </a:ln>
+        </p:spPr>
+        <p:style>
+          <a:lnRef idx="2">
+            <a:schemeClr val="accent1">
+              <a:shade val="50000"/>
+            </a:schemeClr>
+          </a:lnRef>
+          <a:fillRef idx="1">
+            <a:schemeClr val="accent1"/>
+          </a:fillRef>
+          <a:effectRef idx="0">
+            <a:schemeClr val="accent1"/>
+          </a:effectRef>
+          <a:fontRef idx="minor">
+            <a:schemeClr val="lt1"/>
+          </a:fontRef>
+        </p:style>
+        <p:txBody>
+          <a:bodyPr rtlCol="0" anchor="ctr"/>
+          <a:lstStyle/>
+          <a:p>
+            <a:pPr algn="ctr"/>
+            <a:endParaRPr lang="ru-RU"/>
+          </a:p>
+        </p:txBody>
+      </p:sp>
+      <p:sp>
+        <p:nvSpPr>
+          <p:cNvPr id="20" name="TextBox 19"/>
+          <p:cNvSpPr txBox="1"/>
+          <p:nvPr/>
+        </p:nvSpPr>
+        <p:spPr>
+          <a:xfrm>
+            <a:off x="1079966" y="3311258"/>
+            <a:ext cx="1755575" cy="646331"/>
+          </a:xfrm>
+          <a:prstGeom prst="rect">
+            <a:avLst/>
+          </a:prstGeom>
+          <a:noFill/>
+        </p:spPr>
+        <p:txBody>
+          <a:bodyPr wrap="square" rtlCol="0">
+            <a:spAutoFit/>
+          </a:bodyPr>
+          <a:lstStyle/>
+          <a:p>
+            <a:pPr algn="ctr"/>
+            <a:r>
+              <a:rPr lang="ru-RU" dirty="0"/>
+              <a:t>ПИД- </a:t>
+            </a:r>
+            <a:r>
+              <a:rPr lang="ru-RU" dirty="0" smtClean="0"/>
+              <a:t>регулятор</a:t>
+            </a:r>
+          </a:p>
+          <a:p>
+            <a:pPr algn="ctr"/>
+            <a:r>
+              <a:rPr lang="ru-RU" dirty="0" smtClean="0"/>
+              <a:t>ТРМ 101</a:t>
+            </a:r>
+            <a:endParaRPr lang="ru-RU" dirty="0"/>
+          </a:p>
+        </p:txBody>
+      </p:sp>
+      <p:sp>
+        <p:nvSpPr>
+          <p:cNvPr id="23" name="Прямоугольник 22"/>
+          <p:cNvSpPr/>
+          <p:nvPr/>
+        </p:nvSpPr>
+        <p:spPr>
+          <a:xfrm>
+            <a:off x="6055550" y="1285212"/>
+            <a:ext cx="1852246" cy="1242646"/>
+          </a:xfrm>
+          <a:prstGeom prst="rect">
+            <a:avLst/>
+          </a:prstGeom>
+          <a:noFill/>
+          <a:ln w="25400">
+            <a:solidFill>
+              <a:schemeClr val="tx1"/>
+            </a:solidFill>
+          </a:ln>
+        </p:spPr>
+        <p:style>
+          <a:lnRef idx="2">
+            <a:schemeClr val="accent1">
+              <a:shade val="50000"/>
+            </a:schemeClr>
+          </a:lnRef>
+          <a:fillRef idx="1">
+            <a:schemeClr val="accent1"/>
+          </a:fillRef>
+          <a:effectRef idx="0">
+            <a:schemeClr val="accent1"/>
+          </a:effectRef>
+          <a:fontRef idx="minor">
+            <a:schemeClr val="lt1"/>
+          </a:fontRef>
+        </p:style>
+        <p:txBody>
+          <a:bodyPr rtlCol="0" anchor="ctr"/>
+          <a:lstStyle/>
+          <a:p>
+            <a:pPr algn="ctr"/>
+            <a:endParaRPr lang="ru-RU"/>
+          </a:p>
+        </p:txBody>
+      </p:sp>
+      <p:sp>
+        <p:nvSpPr>
+          <p:cNvPr id="24" name="TextBox 23"/>
+          <p:cNvSpPr txBox="1"/>
+          <p:nvPr/>
+        </p:nvSpPr>
+        <p:spPr>
+          <a:xfrm>
+            <a:off x="6009152" y="1668386"/>
+            <a:ext cx="1617783" cy="369332"/>
+          </a:xfrm>
+          <a:prstGeom prst="rect">
+            <a:avLst/>
+          </a:prstGeom>
+          <a:noFill/>
+        </p:spPr>
+        <p:txBody>
+          <a:bodyPr wrap="square" rtlCol="0">
+            <a:spAutoFit/>
+          </a:bodyPr>
+          <a:lstStyle/>
+          <a:p>
+            <a:pPr algn="ctr"/>
+            <a:r>
+              <a:rPr lang="ru-RU" dirty="0" smtClean="0"/>
+              <a:t>Усилитель</a:t>
+            </a:r>
+            <a:endParaRPr lang="ru-RU" dirty="0"/>
+          </a:p>
+        </p:txBody>
+      </p:sp>
+      <p:sp>
+        <p:nvSpPr>
+          <p:cNvPr id="25" name="Стрелка вправо 24"/>
+          <p:cNvSpPr/>
+          <p:nvPr/>
+        </p:nvSpPr>
+        <p:spPr>
+          <a:xfrm rot="5400000">
+            <a:off x="9014899" y="2604262"/>
+            <a:ext cx="290568" cy="167120"/>
+          </a:xfrm>
+          <a:prstGeom prst="rightArrow">
+            <a:avLst/>
+          </a:prstGeom>
+          <a:noFill/>
+          <a:ln w="28575">
+            <a:solidFill>
+              <a:schemeClr val="tx1"/>
+            </a:solidFill>
+          </a:ln>
+        </p:spPr>
+        <p:style>
+          <a:lnRef idx="2">
+            <a:schemeClr val="accent1">
+              <a:shade val="50000"/>
+            </a:schemeClr>
+          </a:lnRef>
+          <a:fillRef idx="1">
+            <a:schemeClr val="accent1"/>
+          </a:fillRef>
+          <a:effectRef idx="0">
+            <a:schemeClr val="accent1"/>
+          </a:effectRef>
+          <a:fontRef idx="minor">
+            <a:schemeClr val="lt1"/>
+          </a:fontRef>
+        </p:style>
+        <p:txBody>
+          <a:bodyPr rtlCol="0" anchor="ctr"/>
+          <a:lstStyle/>
+          <a:p>
+            <a:pPr algn="ctr"/>
+            <a:endParaRPr lang="ru-RU"/>
+          </a:p>
+        </p:txBody>
+      </p:sp>
+      <p:cxnSp>
+        <p:nvCxnSpPr>
+          <p:cNvPr id="42" name="Прямая соединительная линия 41"/>
+          <p:cNvCxnSpPr/>
+          <p:nvPr/>
+        </p:nvCxnSpPr>
+        <p:spPr>
+          <a:xfrm>
+            <a:off x="5704341" y="2278047"/>
+            <a:ext cx="351209" cy="0"/>
+          </a:xfrm>
+          <a:prstGeom prst="line">
+            <a:avLst/>
+          </a:prstGeom>
+          <a:ln w="22225">
+            <a:solidFill>
+              <a:schemeClr val="tx1"/>
+            </a:solidFill>
+          </a:ln>
+        </p:spPr>
+        <p:style>
+          <a:lnRef idx="1">
+            <a:schemeClr val="accent1"/>
+          </a:lnRef>
+          <a:fillRef idx="0">
+            <a:schemeClr val="accent1"/>
+          </a:fillRef>
+          <a:effectRef idx="0">
+            <a:schemeClr val="accent1"/>
+          </a:effectRef>
+          <a:fontRef idx="minor">
+            <a:schemeClr val="tx1"/>
+          </a:fontRef>
+        </p:style>
+      </p:cxnSp>
+      <p:cxnSp>
+        <p:nvCxnSpPr>
+          <p:cNvPr id="45" name="Прямая соединительная линия 44"/>
+          <p:cNvCxnSpPr/>
+          <p:nvPr/>
+        </p:nvCxnSpPr>
+        <p:spPr>
+          <a:xfrm>
+            <a:off x="7907797" y="1911416"/>
+            <a:ext cx="351209" cy="0"/>
+          </a:xfrm>
+          <a:prstGeom prst="line">
+            <a:avLst/>
+          </a:prstGeom>
+          <a:ln w="22225">
+            <a:solidFill>
+              <a:schemeClr val="tx1"/>
+            </a:solidFill>
+          </a:ln>
+        </p:spPr>
+        <p:style>
+          <a:lnRef idx="1">
+            <a:schemeClr val="accent1"/>
+          </a:lnRef>
+          <a:fillRef idx="0">
+            <a:schemeClr val="accent1"/>
+          </a:fillRef>
+          <a:effectRef idx="0">
+            <a:schemeClr val="accent1"/>
+          </a:effectRef>
+          <a:fontRef idx="minor">
+            <a:schemeClr val="tx1"/>
+          </a:fontRef>
+        </p:style>
+      </p:cxnSp>
+      <p:cxnSp>
+        <p:nvCxnSpPr>
+          <p:cNvPr id="46" name="Прямая соединительная линия 45"/>
+          <p:cNvCxnSpPr/>
+          <p:nvPr/>
+        </p:nvCxnSpPr>
+        <p:spPr>
+          <a:xfrm flipH="1">
+            <a:off x="3201204" y="803270"/>
+            <a:ext cx="938" cy="2519250"/>
+          </a:xfrm>
+          <a:prstGeom prst="line">
+            <a:avLst/>
+          </a:prstGeom>
+          <a:ln w="22225">
+            <a:solidFill>
+              <a:schemeClr val="tx1"/>
+            </a:solidFill>
+          </a:ln>
+        </p:spPr>
+        <p:style>
+          <a:lnRef idx="1">
+            <a:schemeClr val="accent1"/>
+          </a:lnRef>
+          <a:fillRef idx="0">
+            <a:schemeClr val="accent1"/>
+          </a:fillRef>
+          <a:effectRef idx="0">
+            <a:schemeClr val="accent1"/>
+          </a:effectRef>
+          <a:fontRef idx="minor">
+            <a:schemeClr val="tx1"/>
+          </a:fontRef>
+        </p:style>
+      </p:cxnSp>
+      <p:cxnSp>
+        <p:nvCxnSpPr>
+          <p:cNvPr id="47" name="Прямая соединительная линия 46"/>
+          <p:cNvCxnSpPr/>
+          <p:nvPr/>
+        </p:nvCxnSpPr>
+        <p:spPr>
+          <a:xfrm flipH="1">
+            <a:off x="3201204" y="781561"/>
+            <a:ext cx="1495926" cy="7167"/>
+          </a:xfrm>
+          <a:prstGeom prst="line">
+            <a:avLst/>
+          </a:prstGeom>
+          <a:ln w="22225">
+            <a:solidFill>
+              <a:schemeClr val="tx1"/>
+            </a:solidFill>
+          </a:ln>
+        </p:spPr>
+        <p:style>
+          <a:lnRef idx="1">
+            <a:schemeClr val="accent1"/>
+          </a:lnRef>
+          <a:fillRef idx="0">
+            <a:schemeClr val="accent1"/>
+          </a:fillRef>
+          <a:effectRef idx="0">
+            <a:schemeClr val="accent1"/>
+          </a:effectRef>
+          <a:fontRef idx="minor">
+            <a:schemeClr val="tx1"/>
+          </a:fontRef>
+        </p:style>
+      </p:cxnSp>
+      <p:cxnSp>
+        <p:nvCxnSpPr>
+          <p:cNvPr id="49" name="Прямая соединительная линия 48"/>
+          <p:cNvCxnSpPr/>
+          <p:nvPr/>
+        </p:nvCxnSpPr>
+        <p:spPr>
+          <a:xfrm flipH="1">
+            <a:off x="4679139" y="781561"/>
+            <a:ext cx="938" cy="501090"/>
+          </a:xfrm>
+          <a:prstGeom prst="line">
+            <a:avLst/>
+          </a:prstGeom>
+          <a:ln w="22225">
+            <a:solidFill>
+              <a:schemeClr val="tx1"/>
+            </a:solidFill>
+          </a:ln>
+        </p:spPr>
+        <p:style>
+          <a:lnRef idx="1">
+            <a:schemeClr val="accent1"/>
+          </a:lnRef>
+          <a:fillRef idx="0">
+            <a:schemeClr val="accent1"/>
+          </a:fillRef>
+          <a:effectRef idx="0">
+            <a:schemeClr val="accent1"/>
+          </a:effectRef>
+          <a:fontRef idx="minor">
+            <a:schemeClr val="tx1"/>
+          </a:fontRef>
+        </p:style>
+      </p:cxnSp>
+      <p:cxnSp>
+        <p:nvCxnSpPr>
+          <p:cNvPr id="54" name="Прямая соединительная линия 53"/>
+          <p:cNvCxnSpPr/>
+          <p:nvPr/>
+        </p:nvCxnSpPr>
+        <p:spPr>
+          <a:xfrm flipH="1">
+            <a:off x="3558233" y="2553422"/>
+            <a:ext cx="13227" cy="1157852"/>
+          </a:xfrm>
+          <a:prstGeom prst="line">
+            <a:avLst/>
+          </a:prstGeom>
+          <a:ln w="22225">
+            <a:solidFill>
+              <a:schemeClr val="tx1"/>
+            </a:solidFill>
+          </a:ln>
+        </p:spPr>
+        <p:style>
+          <a:lnRef idx="1">
+            <a:schemeClr val="accent1"/>
+          </a:lnRef>
+          <a:fillRef idx="0">
+            <a:schemeClr val="accent1"/>
+          </a:fillRef>
+          <a:effectRef idx="0">
+            <a:schemeClr val="accent1"/>
+          </a:effectRef>
+          <a:fontRef idx="minor">
+            <a:schemeClr val="tx1"/>
+          </a:fontRef>
+        </p:style>
+      </p:cxnSp>
+      <p:cxnSp>
+        <p:nvCxnSpPr>
+          <p:cNvPr id="56" name="Прямая соединительная линия 55"/>
+          <p:cNvCxnSpPr/>
+          <p:nvPr/>
+        </p:nvCxnSpPr>
+        <p:spPr>
+          <a:xfrm flipH="1">
+            <a:off x="2892704" y="3725540"/>
+            <a:ext cx="665529" cy="3453"/>
+          </a:xfrm>
+          <a:prstGeom prst="line">
+            <a:avLst/>
+          </a:prstGeom>
+          <a:ln w="22225">
+            <a:solidFill>
+              <a:schemeClr val="tx1"/>
+            </a:solidFill>
+          </a:ln>
+        </p:spPr>
+        <p:style>
+          <a:lnRef idx="1">
+            <a:schemeClr val="accent1"/>
+          </a:lnRef>
+          <a:fillRef idx="0">
+            <a:schemeClr val="accent1"/>
+          </a:fillRef>
+          <a:effectRef idx="0">
+            <a:schemeClr val="accent1"/>
+          </a:effectRef>
+          <a:fontRef idx="minor">
+            <a:schemeClr val="tx1"/>
+          </a:fontRef>
+        </p:style>
+      </p:cxnSp>
+      <p:cxnSp>
+        <p:nvCxnSpPr>
+          <p:cNvPr id="61" name="Прямая соединительная линия 60"/>
+          <p:cNvCxnSpPr/>
+          <p:nvPr/>
+        </p:nvCxnSpPr>
+        <p:spPr>
+          <a:xfrm flipH="1">
+            <a:off x="2896713" y="3336383"/>
+            <a:ext cx="311491" cy="3453"/>
+          </a:xfrm>
+          <a:prstGeom prst="line">
+            <a:avLst/>
+          </a:prstGeom>
+          <a:ln w="22225">
+            <a:solidFill>
+              <a:schemeClr val="tx1"/>
+            </a:solidFill>
+          </a:ln>
+        </p:spPr>
+        <p:style>
+          <a:lnRef idx="1">
+            <a:schemeClr val="accent1"/>
+          </a:lnRef>
+          <a:fillRef idx="0">
+            <a:schemeClr val="accent1"/>
+          </a:fillRef>
+          <a:effectRef idx="0">
+            <a:schemeClr val="accent1"/>
+          </a:effectRef>
+          <a:fontRef idx="minor">
+            <a:schemeClr val="tx1"/>
+          </a:fontRef>
+        </p:style>
+      </p:cxnSp>
+      <p:cxnSp>
+        <p:nvCxnSpPr>
+          <p:cNvPr id="66" name="Прямая соединительная линия 65"/>
+          <p:cNvCxnSpPr/>
+          <p:nvPr/>
+        </p:nvCxnSpPr>
+        <p:spPr>
+          <a:xfrm flipH="1">
+            <a:off x="2004767" y="2560662"/>
+            <a:ext cx="938" cy="501090"/>
+          </a:xfrm>
+          <a:prstGeom prst="line">
+            <a:avLst/>
+          </a:prstGeom>
+          <a:ln w="22225">
+            <a:solidFill>
+              <a:schemeClr val="tx1"/>
+            </a:solidFill>
+          </a:ln>
+        </p:spPr>
+        <p:style>
+          <a:lnRef idx="1">
+            <a:schemeClr val="accent1"/>
+          </a:lnRef>
+          <a:fillRef idx="0">
+            <a:schemeClr val="accent1"/>
+          </a:fillRef>
+          <a:effectRef idx="0">
+            <a:schemeClr val="accent1"/>
+          </a:effectRef>
+          <a:fontRef idx="minor">
+            <a:schemeClr val="tx1"/>
+          </a:fontRef>
+        </p:style>
+      </p:cxnSp>
+    </p:spTree>
+    <p:extLst>
+      <p:ext uri="{BB962C8B-B14F-4D97-AF65-F5344CB8AC3E}">
+        <p14:creationId xmlns:p14="http://schemas.microsoft.com/office/powerpoint/2010/main" val="2745836128"/>
       </p:ext>
     </p:extLst>
   </p:cSld>
